--- a/SlideInfor/Fund - Hardware Software 6º Ano-Eric.pptx
+++ b/SlideInfor/Fund - Hardware Software 6º Ano-Eric.pptx
@@ -4591,7 +4591,7 @@
               </a:lnSpc>
             </a:pPr>
             <a:r>
-              <a:rPr lang="pt-BR" sz="2400" b="1">
+              <a:rPr lang="pt-BR" sz="2400" b="1" dirty="0">
                 <a:solidFill>
                   <a:srgbClr val="FFFFFF"/>
                 </a:solidFill>
@@ -4600,7 +4600,7 @@
               </a:rPr>
               <a:t>Sistema Central</a:t>
             </a:r>
-            <a:endParaRPr/>
+            <a:endParaRPr dirty="0"/>
           </a:p>
         </p:txBody>
       </p:sp>
@@ -6878,7 +6878,7 @@
               </a:lnSpc>
             </a:pPr>
             <a:r>
-              <a:rPr lang="pt-BR" sz="2400" b="1">
+              <a:rPr lang="pt-BR" sz="2400" b="1" dirty="0">
                 <a:solidFill>
                   <a:srgbClr val="FFFFFF"/>
                 </a:solidFill>
@@ -6887,7 +6887,7 @@
               </a:rPr>
               <a:t>Periféricos de Entrada</a:t>
             </a:r>
-            <a:endParaRPr/>
+            <a:endParaRPr dirty="0"/>
           </a:p>
         </p:txBody>
       </p:sp>
@@ -7100,7 +7100,7 @@
       </p:pic>
       <p:pic>
         <p:nvPicPr>
-          <p:cNvPr id="184" name="Imagem 8"/>
+          <p:cNvPr id="185" name="Imagem 9"/>
           <p:cNvPicPr/>
           <p:nvPr/>
         </p:nvPicPr>
@@ -7112,8 +7112,8 @@
         </p:blipFill>
         <p:spPr>
           <a:xfrm>
-            <a:off x="6803377" y="4509120"/>
-            <a:ext cx="1745352" cy="1696200"/>
+            <a:off x="5120029" y="2953728"/>
+            <a:ext cx="1798341" cy="1799104"/>
           </a:xfrm>
           <a:prstGeom prst="rect">
             <a:avLst/>
@@ -7125,68 +7125,74 @@
       </p:pic>
       <p:pic>
         <p:nvPicPr>
-          <p:cNvPr id="1026" name="Picture 2" descr="C:\Users\erick\Desktop\web-camera-png-image-5a356e2f1a61e0.8005869615134510551081.jpg"/>
+          <p:cNvPr id="3" name="Imagem 2">
+            <a:extLst>
+              <a:ext uri="{FF2B5EF4-FFF2-40B4-BE49-F238E27FC236}">
+                <a16:creationId xmlns:a16="http://schemas.microsoft.com/office/drawing/2014/main" id="{CB53154C-7597-4A12-A274-F1BFA21E4B6E}"/>
+              </a:ext>
+            </a:extLst>
+          </p:cNvPr>
           <p:cNvPicPr>
-            <a:picLocks noChangeAspect="1" noChangeArrowheads="1"/>
+            <a:picLocks noChangeAspect="1"/>
           </p:cNvPicPr>
           <p:nvPr/>
         </p:nvPicPr>
         <p:blipFill>
-          <a:blip r:embed="rId5" cstate="print">
+          <a:blip r:embed="rId5">
             <a:extLst>
               <a:ext uri="{28A0092B-C50C-407E-A947-70E740481C1C}">
                 <a14:useLocalDpi xmlns:a14="http://schemas.microsoft.com/office/drawing/2010/main" val="0"/>
               </a:ext>
             </a:extLst>
           </a:blip>
-          <a:srcRect/>
           <a:stretch>
             <a:fillRect/>
           </a:stretch>
         </p:blipFill>
-        <p:spPr bwMode="auto">
-          <a:xfrm>
-            <a:off x="4065561" y="4809968"/>
-            <a:ext cx="2108935" cy="1546552"/>
-          </a:xfrm>
-          <a:prstGeom prst="rect">
-            <a:avLst/>
-          </a:prstGeom>
-          <a:noFill/>
-          <a:extLst>
-            <a:ext uri="{909E8E84-426E-40DD-AFC4-6F175D3DCCD1}">
-              <a14:hiddenFill xmlns:a14="http://schemas.microsoft.com/office/drawing/2010/main">
-                <a:solidFill>
-                  <a:srgbClr val="FFFFFF"/>
-                </a:solidFill>
-              </a14:hiddenFill>
-            </a:ext>
-          </a:extLst>
+        <p:spPr>
+          <a:xfrm>
+            <a:off x="3966877" y="4753606"/>
+            <a:ext cx="2164235" cy="1601874"/>
+          </a:xfrm>
+          <a:prstGeom prst="rect">
+            <a:avLst/>
+          </a:prstGeom>
         </p:spPr>
       </p:pic>
       <p:pic>
         <p:nvPicPr>
-          <p:cNvPr id="185" name="Imagem 9"/>
-          <p:cNvPicPr/>
+          <p:cNvPr id="5" name="Imagem 4">
+            <a:extLst>
+              <a:ext uri="{FF2B5EF4-FFF2-40B4-BE49-F238E27FC236}">
+                <a16:creationId xmlns:a16="http://schemas.microsoft.com/office/drawing/2014/main" id="{573E117B-6B77-4EA0-8EEE-94BD3FC380C8}"/>
+              </a:ext>
+            </a:extLst>
+          </p:cNvPr>
+          <p:cNvPicPr>
+            <a:picLocks noChangeAspect="1"/>
+          </p:cNvPicPr>
           <p:nvPr/>
         </p:nvPicPr>
         <p:blipFill>
-          <a:blip r:embed="rId6" cstate="print"/>
+          <a:blip r:embed="rId6">
+            <a:extLst>
+              <a:ext uri="{28A0092B-C50C-407E-A947-70E740481C1C}">
+                <a14:useLocalDpi xmlns:a14="http://schemas.microsoft.com/office/drawing/2010/main" val="0"/>
+              </a:ext>
+            </a:extLst>
+          </a:blip>
           <a:stretch>
             <a:fillRect/>
           </a:stretch>
         </p:blipFill>
         <p:spPr>
           <a:xfrm>
-            <a:off x="5120029" y="2953728"/>
-            <a:ext cx="1798341" cy="1799104"/>
-          </a:xfrm>
-          <a:prstGeom prst="rect">
-            <a:avLst/>
-          </a:prstGeom>
-          <a:ln>
-            <a:noFill/>
-          </a:ln>
+            <a:off x="6765275" y="4365103"/>
+            <a:ext cx="2037425" cy="1997475"/>
+          </a:xfrm>
+          <a:prstGeom prst="rect">
+            <a:avLst/>
+          </a:prstGeom>
         </p:spPr>
       </p:pic>
     </p:spTree>
@@ -7266,7 +7272,7 @@
               </a:lnSpc>
             </a:pPr>
             <a:r>
-              <a:rPr lang="pt-BR" sz="2400" b="1">
+              <a:rPr lang="pt-BR" sz="2400" b="1" dirty="0">
                 <a:solidFill>
                   <a:srgbClr val="FFFFFF"/>
                 </a:solidFill>
@@ -7275,7 +7281,7 @@
               </a:rPr>
               <a:t>Periférico de Saída</a:t>
             </a:r>
-            <a:endParaRPr/>
+            <a:endParaRPr dirty="0"/>
           </a:p>
         </p:txBody>
       </p:sp>
@@ -8055,7 +8061,7 @@
               </a:lnSpc>
             </a:pPr>
             <a:r>
-              <a:rPr lang="pt-BR" sz="2400" b="1">
+              <a:rPr lang="pt-BR" sz="2400" b="1" dirty="0">
                 <a:solidFill>
                   <a:srgbClr val="FFFFFF"/>
                 </a:solidFill>
@@ -8064,7 +8070,7 @@
               </a:rPr>
               <a:t>Periféricos de Entrada e Saída</a:t>
             </a:r>
-            <a:endParaRPr/>
+            <a:endParaRPr dirty="0"/>
           </a:p>
         </p:txBody>
       </p:sp>
@@ -8544,7 +8550,7 @@
               </a:lnSpc>
             </a:pPr>
             <a:r>
-              <a:rPr lang="pt-BR" sz="2800" b="1">
+              <a:rPr lang="pt-BR" sz="2800" b="1" dirty="0">
                 <a:solidFill>
                   <a:srgbClr val="FFFFFF"/>
                 </a:solidFill>
@@ -8553,7 +8559,7 @@
               </a:rPr>
               <a:t>A prática leva a perfeição </a:t>
             </a:r>
-            <a:endParaRPr/>
+            <a:endParaRPr dirty="0"/>
           </a:p>
         </p:txBody>
       </p:sp>
@@ -8884,9 +8890,9 @@
           </a:stretch>
         </p:blipFill>
         <p:spPr>
-          <a:xfrm>
-            <a:off x="7715160" y="0"/>
-            <a:ext cx="1333800" cy="1285560"/>
+          <a:xfrm flipH="1">
+            <a:off x="7596336" y="-23945"/>
+            <a:ext cx="1410834" cy="1285560"/>
           </a:xfrm>
           <a:prstGeom prst="rect">
             <a:avLst/>
@@ -9355,7 +9361,7 @@
               </a:lnSpc>
             </a:pPr>
             <a:r>
-              <a:rPr lang="pt-BR" sz="2800" b="1">
+              <a:rPr lang="pt-BR" sz="2800" b="1" dirty="0">
                 <a:solidFill>
                   <a:srgbClr val="FFFFFF"/>
                 </a:solidFill>
@@ -9364,7 +9370,7 @@
               </a:rPr>
               <a:t>Software</a:t>
             </a:r>
-            <a:endParaRPr/>
+            <a:endParaRPr dirty="0"/>
           </a:p>
         </p:txBody>
       </p:sp>
@@ -9395,7 +9401,7 @@
               <a:buChar char=""/>
             </a:pPr>
             <a:r>
-              <a:rPr lang="pt-BR" sz="2400">
+              <a:rPr lang="pt-BR" sz="2400" dirty="0">
                 <a:solidFill>
                   <a:srgbClr val="000000"/>
                 </a:solidFill>
@@ -9404,7 +9410,7 @@
               </a:rPr>
               <a:t>Parte Lógica do Computador.</a:t>
             </a:r>
-            <a:endParaRPr/>
+            <a:endParaRPr dirty="0"/>
           </a:p>
           <a:p>
             <a:pPr>
@@ -9415,7 +9421,7 @@
               <a:buChar char=""/>
             </a:pPr>
             <a:r>
-              <a:rPr lang="pt-BR" sz="2400">
+              <a:rPr lang="pt-BR" sz="2400" dirty="0">
                 <a:solidFill>
                   <a:srgbClr val="000000"/>
                 </a:solidFill>
@@ -9424,7 +9430,7 @@
               </a:rPr>
               <a:t>Corresponde aos programas instalados no Computador.</a:t>
             </a:r>
-            <a:endParaRPr/>
+            <a:endParaRPr dirty="0"/>
           </a:p>
           <a:p>
             <a:pPr>
@@ -9432,7 +9438,7 @@
                 <a:spcPct val="100000"/>
               </a:lnSpc>
             </a:pPr>
-            <a:endParaRPr/>
+            <a:endParaRPr dirty="0"/>
           </a:p>
         </p:txBody>
       </p:sp>
@@ -9519,27 +9525,38 @@
       </p:sp>
       <p:pic>
         <p:nvPicPr>
-          <p:cNvPr id="244" name="Imagem 6"/>
-          <p:cNvPicPr/>
+          <p:cNvPr id="3" name="Imagem 2">
+            <a:extLst>
+              <a:ext uri="{FF2B5EF4-FFF2-40B4-BE49-F238E27FC236}">
+                <a16:creationId xmlns:a16="http://schemas.microsoft.com/office/drawing/2014/main" id="{9DBC1B86-97ED-4B48-905D-B26FF5E00DF1}"/>
+              </a:ext>
+            </a:extLst>
+          </p:cNvPr>
+          <p:cNvPicPr>
+            <a:picLocks noChangeAspect="1"/>
+          </p:cNvPicPr>
           <p:nvPr/>
         </p:nvPicPr>
         <p:blipFill>
-          <a:blip r:embed="rId2" cstate="print"/>
+          <a:blip r:embed="rId2">
+            <a:extLst>
+              <a:ext uri="{28A0092B-C50C-407E-A947-70E740481C1C}">
+                <a14:useLocalDpi xmlns:a14="http://schemas.microsoft.com/office/drawing/2010/main" val="0"/>
+              </a:ext>
+            </a:extLst>
+          </a:blip>
           <a:stretch>
             <a:fillRect/>
           </a:stretch>
         </p:blipFill>
         <p:spPr>
           <a:xfrm>
-            <a:off x="1214280" y="2571840"/>
-            <a:ext cx="7344720" cy="3366720"/>
-          </a:xfrm>
-          <a:prstGeom prst="rect">
-            <a:avLst/>
-          </a:prstGeom>
-          <a:ln>
-            <a:noFill/>
-          </a:ln>
+            <a:off x="1475656" y="2564904"/>
+            <a:ext cx="7056662" cy="3211254"/>
+          </a:xfrm>
+          <a:prstGeom prst="rect">
+            <a:avLst/>
+          </a:prstGeom>
         </p:spPr>
       </p:pic>
     </p:spTree>
@@ -9628,7 +9645,7 @@
               </a:rPr>
               <a:t>Tipos de Software</a:t>
             </a:r>
-            <a:endParaRPr/>
+            <a:endParaRPr dirty="0"/>
           </a:p>
         </p:txBody>
       </p:sp>
@@ -9659,7 +9676,7 @@
               <a:buChar char=""/>
             </a:pPr>
             <a:r>
-              <a:rPr lang="pt-BR" sz="2400">
+              <a:rPr lang="pt-BR" sz="2400" dirty="0">
                 <a:solidFill>
                   <a:srgbClr val="000000"/>
                 </a:solidFill>
@@ -9668,7 +9685,7 @@
               </a:rPr>
               <a:t>Básico</a:t>
             </a:r>
-            <a:endParaRPr/>
+            <a:endParaRPr dirty="0"/>
           </a:p>
           <a:p>
             <a:pPr lvl="1">
@@ -9679,7 +9696,7 @@
               <a:buChar char=""/>
             </a:pPr>
             <a:r>
-              <a:rPr lang="pt-BR" sz="2400">
+              <a:rPr lang="pt-BR" sz="2400" dirty="0">
                 <a:solidFill>
                   <a:srgbClr val="000000"/>
                 </a:solidFill>
@@ -9688,7 +9705,7 @@
               </a:rPr>
               <a:t>Sistemas Operacionais</a:t>
             </a:r>
-            <a:endParaRPr/>
+            <a:endParaRPr dirty="0"/>
           </a:p>
           <a:p>
             <a:pPr>
@@ -9699,7 +9716,7 @@
               <a:buChar char=""/>
             </a:pPr>
             <a:r>
-              <a:rPr lang="pt-BR" sz="2400">
+              <a:rPr lang="pt-BR" sz="2400" dirty="0">
                 <a:solidFill>
                   <a:srgbClr val="000000"/>
                 </a:solidFill>
@@ -9708,7 +9725,7 @@
               </a:rPr>
               <a:t>Aplicativo</a:t>
             </a:r>
-            <a:endParaRPr/>
+            <a:endParaRPr dirty="0"/>
           </a:p>
           <a:p>
             <a:pPr>
@@ -9719,7 +9736,7 @@
               <a:buChar char=""/>
             </a:pPr>
             <a:r>
-              <a:rPr lang="pt-BR" sz="2400">
+              <a:rPr lang="pt-BR" sz="2400" dirty="0">
                 <a:solidFill>
                   <a:srgbClr val="000000"/>
                 </a:solidFill>
@@ -9728,7 +9745,7 @@
               </a:rPr>
               <a:t>Utilitários</a:t>
             </a:r>
-            <a:endParaRPr/>
+            <a:endParaRPr dirty="0"/>
           </a:p>
           <a:p>
             <a:pPr>
@@ -9736,7 +9753,7 @@
                 <a:spcPct val="100000"/>
               </a:lnSpc>
             </a:pPr>
-            <a:endParaRPr/>
+            <a:endParaRPr dirty="0"/>
           </a:p>
         </p:txBody>
       </p:sp>
@@ -9938,7 +9955,7 @@
               <a:buChar char=""/>
             </a:pPr>
             <a:r>
-              <a:rPr lang="pt-BR" sz="2000" b="1">
+              <a:rPr lang="pt-BR" sz="2000" b="1" dirty="0">
                 <a:solidFill>
                   <a:srgbClr val="000000"/>
                 </a:solidFill>
@@ -9948,7 +9965,7 @@
               <a:t>Software Básico:</a:t>
             </a:r>
             <a:r>
-              <a:rPr lang="pt-BR" sz="2000">
+              <a:rPr lang="pt-BR" sz="2000" dirty="0">
                 <a:solidFill>
                   <a:srgbClr val="000000"/>
                 </a:solidFill>
@@ -9957,7 +9974,7 @@
               </a:rPr>
               <a:t> são programas utilizados para o funcionamento do sistema. Ele é capaz de gerar um ambiente de interação entre máquina e usuário. Ex.: sistema operacional, linguagens de programação, compiladores, etc.</a:t>
             </a:r>
-            <a:endParaRPr/>
+            <a:endParaRPr dirty="0"/>
           </a:p>
         </p:txBody>
       </p:sp>
@@ -10184,7 +10201,7 @@
               <a:buChar char=""/>
             </a:pPr>
             <a:r>
-              <a:rPr lang="pt-BR" sz="2000" b="1">
+              <a:rPr lang="pt-BR" sz="2000" b="1" dirty="0">
                 <a:solidFill>
                   <a:srgbClr val="000000"/>
                 </a:solidFill>
@@ -10194,7 +10211,7 @@
               <a:t>Sistema Operacional</a:t>
             </a:r>
             <a:r>
-              <a:rPr lang="pt-BR" sz="2000">
+              <a:rPr lang="pt-BR" sz="2000" dirty="0">
                 <a:solidFill>
                   <a:srgbClr val="000000"/>
                 </a:solidFill>
@@ -10204,7 +10221,7 @@
               <a:t>
 É o software mais importante do computador. Ele é instalado em uma área especial dentro do disco rígido e é carregado (para a memória RAM) toda vez que o computador é ligado. É ele que controla todos os recursos do computador. Ex.: Unix, Linux, Debian, Windows, etc. </a:t>
             </a:r>
-            <a:endParaRPr/>
+            <a:endParaRPr dirty="0"/>
           </a:p>
         </p:txBody>
       </p:sp>
@@ -12261,16 +12278,20 @@
               </a:lnSpc>
             </a:pPr>
             <a:r>
-              <a:rPr lang="pt-BR" sz="2400" b="1">
-                <a:solidFill>
-                  <a:srgbClr val="FFFFFF"/>
-                </a:solidFill>
-                <a:latin typeface="Calibri"/>
-                <a:ea typeface="黑体"/>
-              </a:rPr>
-              <a:t>Hardware</a:t>
-            </a:r>
-            <a:endParaRPr/>
+              <a:rPr lang="pt-BR" altLang="pt-BR" sz="2400" b="1" dirty="0">
+                <a:solidFill>
+                  <a:schemeClr val="bg1"/>
+                </a:solidFill>
+                <a:latin typeface="Calibri" panose="020F0502020204030204" pitchFamily="34" charset="0"/>
+                <a:cs typeface="Calibri" panose="020F0502020204030204" pitchFamily="34" charset="0"/>
+              </a:rPr>
+              <a:t>Comunicação entre os componentes</a:t>
+            </a:r>
+            <a:endParaRPr dirty="0">
+              <a:solidFill>
+                <a:schemeClr val="bg1"/>
+              </a:solidFill>
+            </a:endParaRPr>
           </a:p>
         </p:txBody>
       </p:sp>
@@ -13732,52 +13753,74 @@
       </p:sp>
       <p:pic>
         <p:nvPicPr>
-          <p:cNvPr id="138" name="Imagem 4"/>
-          <p:cNvPicPr/>
+          <p:cNvPr id="8" name="Imagem 7">
+            <a:extLst>
+              <a:ext uri="{FF2B5EF4-FFF2-40B4-BE49-F238E27FC236}">
+                <a16:creationId xmlns:a16="http://schemas.microsoft.com/office/drawing/2014/main" id="{7281ACF4-6232-4479-A081-010C84296AF2}"/>
+              </a:ext>
+            </a:extLst>
+          </p:cNvPr>
+          <p:cNvPicPr>
+            <a:picLocks noChangeAspect="1"/>
+          </p:cNvPicPr>
           <p:nvPr/>
         </p:nvPicPr>
         <p:blipFill>
-          <a:blip r:embed="rId2" cstate="print"/>
+          <a:blip r:embed="rId2">
+            <a:extLst>
+              <a:ext uri="{28A0092B-C50C-407E-A947-70E740481C1C}">
+                <a14:useLocalDpi xmlns:a14="http://schemas.microsoft.com/office/drawing/2010/main" val="0"/>
+              </a:ext>
+            </a:extLst>
+          </a:blip>
           <a:stretch>
             <a:fillRect/>
           </a:stretch>
         </p:blipFill>
         <p:spPr>
           <a:xfrm>
-            <a:off x="4929120" y="3214800"/>
-            <a:ext cx="3500280" cy="2785680"/>
-          </a:xfrm>
-          <a:prstGeom prst="rect">
-            <a:avLst/>
-          </a:prstGeom>
-          <a:ln>
-            <a:noFill/>
-          </a:ln>
+            <a:off x="1590440" y="3408779"/>
+            <a:ext cx="2895120" cy="2591702"/>
+          </a:xfrm>
+          <a:prstGeom prst="rect">
+            <a:avLst/>
+          </a:prstGeom>
         </p:spPr>
       </p:pic>
       <p:pic>
         <p:nvPicPr>
-          <p:cNvPr id="139" name="Imagem 3"/>
-          <p:cNvPicPr/>
+          <p:cNvPr id="3" name="Imagem 2">
+            <a:extLst>
+              <a:ext uri="{FF2B5EF4-FFF2-40B4-BE49-F238E27FC236}">
+                <a16:creationId xmlns:a16="http://schemas.microsoft.com/office/drawing/2014/main" id="{8B0A71FF-EA73-48F2-AE8D-477397B2ADC8}"/>
+              </a:ext>
+            </a:extLst>
+          </p:cNvPr>
+          <p:cNvPicPr>
+            <a:picLocks noChangeAspect="1"/>
+          </p:cNvPicPr>
           <p:nvPr/>
         </p:nvPicPr>
         <p:blipFill>
-          <a:blip r:embed="rId3" cstate="print"/>
+          <a:blip r:embed="rId3">
+            <a:extLst>
+              <a:ext uri="{28A0092B-C50C-407E-A947-70E740481C1C}">
+                <a14:useLocalDpi xmlns:a14="http://schemas.microsoft.com/office/drawing/2010/main" val="0"/>
+              </a:ext>
+            </a:extLst>
+          </a:blip>
           <a:stretch>
             <a:fillRect/>
           </a:stretch>
         </p:blipFill>
         <p:spPr>
           <a:xfrm>
-            <a:off x="1643040" y="3214800"/>
-            <a:ext cx="3199680" cy="2857320"/>
-          </a:xfrm>
-          <a:prstGeom prst="rect">
-            <a:avLst/>
-          </a:prstGeom>
-          <a:ln>
-            <a:noFill/>
-          </a:ln>
+            <a:off x="5148064" y="3286880"/>
+            <a:ext cx="3527216" cy="2830137"/>
+          </a:xfrm>
+          <a:prstGeom prst="rect">
+            <a:avLst/>
+          </a:prstGeom>
         </p:spPr>
       </p:pic>
     </p:spTree>
@@ -13785,124 +13828,6 @@
   <p:clrMapOvr>
     <a:masterClrMapping/>
   </p:clrMapOvr>
-  <p:timing>
-    <p:tnLst>
-      <p:par>
-        <p:cTn id="1" dur="indefinite" restart="never" nodeType="tmRoot">
-          <p:childTnLst>
-            <p:seq concurrent="1" nextAc="seek">
-              <p:cTn id="2" dur="indefinite" nodeType="mainSeq">
-                <p:childTnLst>
-                  <p:par>
-                    <p:cTn id="3" fill="hold">
-                      <p:stCondLst>
-                        <p:cond delay="indefinite"/>
-                      </p:stCondLst>
-                      <p:childTnLst>
-                        <p:par>
-                          <p:cTn id="4" fill="hold">
-                            <p:stCondLst>
-                              <p:cond delay="0"/>
-                            </p:stCondLst>
-                            <p:childTnLst>
-                              <p:par>
-                                <p:cTn id="5" presetID="10" presetClass="entr" presetSubtype="0" fill="hold" nodeType="clickEffect">
-                                  <p:stCondLst>
-                                    <p:cond delay="0"/>
-                                  </p:stCondLst>
-                                  <p:childTnLst>
-                                    <p:set>
-                                      <p:cBhvr>
-                                        <p:cTn id="6" dur="1" fill="hold">
-                                          <p:stCondLst>
-                                            <p:cond delay="0"/>
-                                          </p:stCondLst>
-                                        </p:cTn>
-                                        <p:tgtEl>
-                                          <p:spTgt spid="139"/>
-                                        </p:tgtEl>
-                                        <p:attrNameLst>
-                                          <p:attrName>style.visibility</p:attrName>
-                                        </p:attrNameLst>
-                                      </p:cBhvr>
-                                      <p:to>
-                                        <p:strVal val="visible"/>
-                                      </p:to>
-                                    </p:set>
-                                    <p:animEffect transition="in" filter="fade">
-                                      <p:cBhvr>
-                                        <p:cTn id="7" dur="500"/>
-                                        <p:tgtEl>
-                                          <p:spTgt spid="139"/>
-                                        </p:tgtEl>
-                                      </p:cBhvr>
-                                    </p:animEffect>
-                                  </p:childTnLst>
-                                </p:cTn>
-                              </p:par>
-                              <p:par>
-                                <p:cTn id="8" presetID="10" presetClass="entr" presetSubtype="0" fill="hold" nodeType="withEffect">
-                                  <p:stCondLst>
-                                    <p:cond delay="0"/>
-                                  </p:stCondLst>
-                                  <p:childTnLst>
-                                    <p:set>
-                                      <p:cBhvr>
-                                        <p:cTn id="9" dur="1" fill="hold">
-                                          <p:stCondLst>
-                                            <p:cond delay="0"/>
-                                          </p:stCondLst>
-                                        </p:cTn>
-                                        <p:tgtEl>
-                                          <p:spTgt spid="138"/>
-                                        </p:tgtEl>
-                                        <p:attrNameLst>
-                                          <p:attrName>style.visibility</p:attrName>
-                                        </p:attrNameLst>
-                                      </p:cBhvr>
-                                      <p:to>
-                                        <p:strVal val="visible"/>
-                                      </p:to>
-                                    </p:set>
-                                    <p:animEffect transition="in" filter="fade">
-                                      <p:cBhvr>
-                                        <p:cTn id="10" dur="500"/>
-                                        <p:tgtEl>
-                                          <p:spTgt spid="138"/>
-                                        </p:tgtEl>
-                                      </p:cBhvr>
-                                    </p:animEffect>
-                                  </p:childTnLst>
-                                </p:cTn>
-                              </p:par>
-                            </p:childTnLst>
-                          </p:cTn>
-                        </p:par>
-                      </p:childTnLst>
-                    </p:cTn>
-                  </p:par>
-                </p:childTnLst>
-              </p:cTn>
-              <p:prevCondLst>
-                <p:cond evt="onPrev" delay="0">
-                  <p:tgtEl>
-                    <p:sldTgt/>
-                  </p:tgtEl>
-                </p:cond>
-              </p:prevCondLst>
-              <p:nextCondLst>
-                <p:cond evt="onNext" delay="0">
-                  <p:tgtEl>
-                    <p:sldTgt/>
-                  </p:tgtEl>
-                </p:cond>
-              </p:nextCondLst>
-            </p:seq>
-          </p:childTnLst>
-        </p:cTn>
-      </p:par>
-    </p:tnLst>
-  </p:timing>
 </p:sld>
 </file>
 
@@ -14112,52 +14037,74 @@
       </p:sp>
       <p:pic>
         <p:nvPicPr>
-          <p:cNvPr id="132" name="Imagem 3"/>
-          <p:cNvPicPr/>
+          <p:cNvPr id="3" name="Imagem 2">
+            <a:extLst>
+              <a:ext uri="{FF2B5EF4-FFF2-40B4-BE49-F238E27FC236}">
+                <a16:creationId xmlns:a16="http://schemas.microsoft.com/office/drawing/2014/main" id="{C2E774AC-0F54-4C10-9EDD-A4D8D0E45709}"/>
+              </a:ext>
+            </a:extLst>
+          </p:cNvPr>
+          <p:cNvPicPr>
+            <a:picLocks noChangeAspect="1"/>
+          </p:cNvPicPr>
           <p:nvPr/>
         </p:nvPicPr>
         <p:blipFill>
-          <a:blip r:embed="rId2" cstate="print"/>
+          <a:blip r:embed="rId2">
+            <a:extLst>
+              <a:ext uri="{28A0092B-C50C-407E-A947-70E740481C1C}">
+                <a14:useLocalDpi xmlns:a14="http://schemas.microsoft.com/office/drawing/2010/main" val="0"/>
+              </a:ext>
+            </a:extLst>
+          </a:blip>
           <a:stretch>
             <a:fillRect/>
           </a:stretch>
         </p:blipFill>
         <p:spPr>
           <a:xfrm>
-            <a:off x="2786040" y="3571920"/>
-            <a:ext cx="2142720" cy="2642760"/>
-          </a:xfrm>
-          <a:prstGeom prst="rect">
-            <a:avLst/>
-          </a:prstGeom>
-          <a:ln>
-            <a:noFill/>
-          </a:ln>
+            <a:off x="5641117" y="3445586"/>
+            <a:ext cx="3045323" cy="2889154"/>
+          </a:xfrm>
+          <a:prstGeom prst="rect">
+            <a:avLst/>
+          </a:prstGeom>
         </p:spPr>
       </p:pic>
       <p:pic>
         <p:nvPicPr>
-          <p:cNvPr id="133" name="Imagem 4"/>
-          <p:cNvPicPr/>
+          <p:cNvPr id="5" name="Imagem 4">
+            <a:extLst>
+              <a:ext uri="{FF2B5EF4-FFF2-40B4-BE49-F238E27FC236}">
+                <a16:creationId xmlns:a16="http://schemas.microsoft.com/office/drawing/2014/main" id="{1E2C9F05-F6E8-40CA-B618-E8A8D761BD2E}"/>
+              </a:ext>
+            </a:extLst>
+          </p:cNvPr>
+          <p:cNvPicPr>
+            <a:picLocks noChangeAspect="1"/>
+          </p:cNvPicPr>
           <p:nvPr/>
         </p:nvPicPr>
         <p:blipFill>
-          <a:blip r:embed="rId3" cstate="print"/>
+          <a:blip r:embed="rId3">
+            <a:extLst>
+              <a:ext uri="{28A0092B-C50C-407E-A947-70E740481C1C}">
+                <a14:useLocalDpi xmlns:a14="http://schemas.microsoft.com/office/drawing/2010/main" val="0"/>
+              </a:ext>
+            </a:extLst>
+          </a:blip>
           <a:stretch>
             <a:fillRect/>
           </a:stretch>
         </p:blipFill>
         <p:spPr>
           <a:xfrm>
-            <a:off x="5429160" y="3571920"/>
-            <a:ext cx="2701080" cy="2571480"/>
-          </a:xfrm>
-          <a:prstGeom prst="rect">
-            <a:avLst/>
-          </a:prstGeom>
-          <a:ln>
-            <a:noFill/>
-          </a:ln>
+            <a:off x="2214244" y="3255730"/>
+            <a:ext cx="2577280" cy="3100790"/>
+          </a:xfrm>
+          <a:prstGeom prst="rect">
+            <a:avLst/>
+          </a:prstGeom>
         </p:spPr>
       </p:pic>
     </p:spTree>
@@ -14165,124 +14112,6 @@
   <p:clrMapOvr>
     <a:masterClrMapping/>
   </p:clrMapOvr>
-  <p:timing>
-    <p:tnLst>
-      <p:par>
-        <p:cTn id="1" dur="indefinite" restart="never" nodeType="tmRoot">
-          <p:childTnLst>
-            <p:seq concurrent="1" nextAc="seek">
-              <p:cTn id="2" dur="indefinite" nodeType="mainSeq">
-                <p:childTnLst>
-                  <p:par>
-                    <p:cTn id="3" fill="hold">
-                      <p:stCondLst>
-                        <p:cond delay="indefinite"/>
-                      </p:stCondLst>
-                      <p:childTnLst>
-                        <p:par>
-                          <p:cTn id="4" fill="hold">
-                            <p:stCondLst>
-                              <p:cond delay="0"/>
-                            </p:stCondLst>
-                            <p:childTnLst>
-                              <p:par>
-                                <p:cTn id="5" presetID="10" presetClass="entr" presetSubtype="0" fill="hold" nodeType="clickEffect">
-                                  <p:stCondLst>
-                                    <p:cond delay="0"/>
-                                  </p:stCondLst>
-                                  <p:childTnLst>
-                                    <p:set>
-                                      <p:cBhvr>
-                                        <p:cTn id="6" dur="1" fill="hold">
-                                          <p:stCondLst>
-                                            <p:cond delay="0"/>
-                                          </p:stCondLst>
-                                        </p:cTn>
-                                        <p:tgtEl>
-                                          <p:spTgt spid="132"/>
-                                        </p:tgtEl>
-                                        <p:attrNameLst>
-                                          <p:attrName>style.visibility</p:attrName>
-                                        </p:attrNameLst>
-                                      </p:cBhvr>
-                                      <p:to>
-                                        <p:strVal val="visible"/>
-                                      </p:to>
-                                    </p:set>
-                                    <p:animEffect transition="in" filter="fade">
-                                      <p:cBhvr>
-                                        <p:cTn id="7" dur="500"/>
-                                        <p:tgtEl>
-                                          <p:spTgt spid="132"/>
-                                        </p:tgtEl>
-                                      </p:cBhvr>
-                                    </p:animEffect>
-                                  </p:childTnLst>
-                                </p:cTn>
-                              </p:par>
-                              <p:par>
-                                <p:cTn id="8" presetID="10" presetClass="entr" presetSubtype="0" fill="hold" nodeType="withEffect">
-                                  <p:stCondLst>
-                                    <p:cond delay="0"/>
-                                  </p:stCondLst>
-                                  <p:childTnLst>
-                                    <p:set>
-                                      <p:cBhvr>
-                                        <p:cTn id="9" dur="1" fill="hold">
-                                          <p:stCondLst>
-                                            <p:cond delay="0"/>
-                                          </p:stCondLst>
-                                        </p:cTn>
-                                        <p:tgtEl>
-                                          <p:spTgt spid="133"/>
-                                        </p:tgtEl>
-                                        <p:attrNameLst>
-                                          <p:attrName>style.visibility</p:attrName>
-                                        </p:attrNameLst>
-                                      </p:cBhvr>
-                                      <p:to>
-                                        <p:strVal val="visible"/>
-                                      </p:to>
-                                    </p:set>
-                                    <p:animEffect transition="in" filter="fade">
-                                      <p:cBhvr>
-                                        <p:cTn id="10" dur="500"/>
-                                        <p:tgtEl>
-                                          <p:spTgt spid="133"/>
-                                        </p:tgtEl>
-                                      </p:cBhvr>
-                                    </p:animEffect>
-                                  </p:childTnLst>
-                                </p:cTn>
-                              </p:par>
-                            </p:childTnLst>
-                          </p:cTn>
-                        </p:par>
-                      </p:childTnLst>
-                    </p:cTn>
-                  </p:par>
-                </p:childTnLst>
-              </p:cTn>
-              <p:prevCondLst>
-                <p:cond evt="onPrev" delay="0">
-                  <p:tgtEl>
-                    <p:sldTgt/>
-                  </p:tgtEl>
-                </p:cond>
-              </p:prevCondLst>
-              <p:nextCondLst>
-                <p:cond evt="onNext" delay="0">
-                  <p:tgtEl>
-                    <p:sldTgt/>
-                  </p:tgtEl>
-                </p:cond>
-              </p:nextCondLst>
-            </p:seq>
-          </p:childTnLst>
-        </p:cTn>
-      </p:par>
-    </p:tnLst>
-  </p:timing>
 </p:sld>
 </file>
 
@@ -14328,7 +14157,7 @@
               </a:lnSpc>
             </a:pPr>
             <a:r>
-              <a:rPr lang="pt-BR" sz="2400" b="1">
+              <a:rPr lang="pt-BR" sz="2400" b="1" dirty="0">
                 <a:solidFill>
                   <a:srgbClr val="FFFFFF"/>
                 </a:solidFill>
@@ -14337,7 +14166,7 @@
               </a:rPr>
               <a:t>Processador</a:t>
             </a:r>
-            <a:endParaRPr/>
+            <a:endParaRPr dirty="0"/>
           </a:p>
         </p:txBody>
       </p:sp>
@@ -14368,7 +14197,7 @@
               <a:buChar char=""/>
             </a:pPr>
             <a:r>
-              <a:rPr lang="pt-BR" sz="2400">
+              <a:rPr lang="pt-BR" sz="2400" dirty="0">
                 <a:solidFill>
                   <a:srgbClr val="000000"/>
                 </a:solidFill>
@@ -14377,7 +14206,7 @@
               </a:rPr>
               <a:t>Unidade Central de Processamento de Dados ou  C.P.U</a:t>
             </a:r>
-            <a:endParaRPr/>
+            <a:endParaRPr dirty="0"/>
           </a:p>
           <a:p>
             <a:pPr>
@@ -14388,7 +14217,7 @@
               <a:buChar char=""/>
             </a:pPr>
             <a:r>
-              <a:rPr lang="pt-BR" sz="2400">
+              <a:rPr lang="pt-BR" sz="2400" dirty="0">
                 <a:solidFill>
                   <a:srgbClr val="000000"/>
                 </a:solidFill>
@@ -14397,7 +14226,7 @@
               </a:rPr>
               <a:t>Também chamado de Processador, é o equipamento que faz o processamento de dados no computador.</a:t>
             </a:r>
-            <a:endParaRPr/>
+            <a:endParaRPr dirty="0"/>
           </a:p>
           <a:p>
             <a:pPr>
@@ -14405,7 +14234,7 @@
                 <a:spcPct val="100000"/>
               </a:lnSpc>
             </a:pPr>
-            <a:endParaRPr/>
+            <a:endParaRPr dirty="0"/>
           </a:p>
         </p:txBody>
       </p:sp>
